--- a/Proyecto 4 BBDD.pptx
+++ b/Proyecto 4 BBDD.pptx
@@ -5,7 +5,7 @@
     <p:sldMasterId id="2147483659" r:id="rId1"/>
   </p:sldMasterIdLst>
   <p:notesMasterIdLst>
-    <p:notesMasterId r:id="rId9"/>
+    <p:notesMasterId r:id="rId10"/>
   </p:notesMasterIdLst>
   <p:sldIdLst>
     <p:sldId id="256" r:id="rId2"/>
@@ -13,8 +13,9 @@
     <p:sldId id="259" r:id="rId4"/>
     <p:sldId id="296" r:id="rId5"/>
     <p:sldId id="295" r:id="rId6"/>
-    <p:sldId id="261" r:id="rId7"/>
-    <p:sldId id="262" r:id="rId8"/>
+    <p:sldId id="264" r:id="rId7"/>
+    <p:sldId id="261" r:id="rId8"/>
+    <p:sldId id="262" r:id="rId9"/>
   </p:sldIdLst>
   <p:sldSz cx="9144000" cy="5143500" type="screen16x9"/>
   <p:notesSz cx="6858000" cy="9144000"/>
@@ -247,6 +248,11 @@
       </a:defRPr>
     </a:lvl9pPr>
   </p:defaultTextStyle>
+  <p:extLst>
+    <p:ext uri="{EFAFB233-063F-42B5-8137-9DF3F51BA10A}">
+      <p15:sldGuideLst xmlns:p15="http://schemas.microsoft.com/office/powerpoint/2012/main"/>
+    </p:ext>
+  </p:extLst>
 </p:presentation>
 </file>
 
@@ -1226,6 +1232,110 @@
   <p:cSld>
     <p:spTree>
       <p:nvGrpSpPr>
+        <p:cNvPr id="1" name="Shape 116"/>
+        <p:cNvGrpSpPr/>
+        <p:nvPr/>
+      </p:nvGrpSpPr>
+      <p:grpSpPr>
+        <a:xfrm>
+          <a:off x="0" y="0"/>
+          <a:ext cx="0" cy="0"/>
+          <a:chOff x="0" y="0"/>
+          <a:chExt cx="0" cy="0"/>
+        </a:xfrm>
+      </p:grpSpPr>
+      <p:sp>
+        <p:nvSpPr>
+          <p:cNvPr id="117" name="Google Shape;117;g35f391192_045:notes"/>
+          <p:cNvSpPr>
+            <a:spLocks noGrp="1" noRot="1" noChangeAspect="1"/>
+          </p:cNvSpPr>
+          <p:nvPr>
+            <p:ph type="sldImg" idx="2"/>
+          </p:nvPr>
+        </p:nvSpPr>
+        <p:spPr>
+          <a:xfrm>
+            <a:off x="381000" y="685800"/>
+            <a:ext cx="6096000" cy="3429000"/>
+          </a:xfrm>
+          <a:custGeom>
+            <a:avLst/>
+            <a:gdLst/>
+            <a:ahLst/>
+            <a:cxnLst/>
+            <a:rect l="l" t="t" r="r" b="b"/>
+            <a:pathLst>
+              <a:path w="120000" h="120000" extrusionOk="0">
+                <a:moveTo>
+                  <a:pt x="0" y="0"/>
+                </a:moveTo>
+                <a:lnTo>
+                  <a:pt x="120000" y="0"/>
+                </a:lnTo>
+                <a:lnTo>
+                  <a:pt x="120000" y="120000"/>
+                </a:lnTo>
+                <a:lnTo>
+                  <a:pt x="0" y="120000"/>
+                </a:lnTo>
+                <a:close/>
+              </a:path>
+            </a:pathLst>
+          </a:custGeom>
+        </p:spPr>
+      </p:sp>
+      <p:sp>
+        <p:nvSpPr>
+          <p:cNvPr id="118" name="Google Shape;118;g35f391192_045:notes"/>
+          <p:cNvSpPr txBox="1">
+            <a:spLocks noGrp="1"/>
+          </p:cNvSpPr>
+          <p:nvPr>
+            <p:ph type="body" idx="1"/>
+          </p:nvPr>
+        </p:nvSpPr>
+        <p:spPr>
+          <a:xfrm>
+            <a:off x="685800" y="4343400"/>
+            <a:ext cx="5486400" cy="4114800"/>
+          </a:xfrm>
+          <a:prstGeom prst="rect">
+            <a:avLst/>
+          </a:prstGeom>
+        </p:spPr>
+        <p:txBody>
+          <a:bodyPr spcFirstLastPara="1" wrap="square" lIns="91425" tIns="91425" rIns="91425" bIns="91425" anchor="t" anchorCtr="0">
+            <a:noAutofit/>
+          </a:bodyPr>
+          <a:lstStyle/>
+          <a:p>
+            <a:pPr marL="0" lvl="0" indent="0" algn="l" rtl="0">
+              <a:spcBef>
+                <a:spcPts val="0"/>
+              </a:spcBef>
+              <a:spcAft>
+                <a:spcPts val="0"/>
+              </a:spcAft>
+              <a:buNone/>
+            </a:pPr>
+            <a:endParaRPr/>
+          </a:p>
+        </p:txBody>
+      </p:sp>
+    </p:spTree>
+  </p:cSld>
+  <p:clrMapOvr>
+    <a:masterClrMapping/>
+  </p:clrMapOvr>
+</p:notes>
+</file>
+
+<file path=ppt/notesSlides/notesSlide7.xml><?xml version="1.0" encoding="utf-8"?>
+<p:notes xmlns:a="http://schemas.openxmlformats.org/drawingml/2006/main" xmlns:r="http://schemas.openxmlformats.org/officeDocument/2006/relationships" xmlns:p="http://schemas.openxmlformats.org/presentationml/2006/main" showMasterSp="0" showMasterPhAnim="0">
+  <p:cSld>
+    <p:spTree>
+      <p:nvGrpSpPr>
         <p:cNvPr id="1" name="Shape 90"/>
         <p:cNvGrpSpPr/>
         <p:nvPr/>
@@ -1325,7 +1435,7 @@
 </p:notes>
 </file>
 
-<file path=ppt/notesSlides/notesSlide7.xml><?xml version="1.0" encoding="utf-8"?>
+<file path=ppt/notesSlides/notesSlide8.xml><?xml version="1.0" encoding="utf-8"?>
 <p:notes xmlns:a="http://schemas.openxmlformats.org/drawingml/2006/main" xmlns:r="http://schemas.openxmlformats.org/officeDocument/2006/relationships" xmlns:p="http://schemas.openxmlformats.org/presentationml/2006/main" showMasterSp="0" showMasterPhAnim="0">
   <p:cSld>
     <p:spTree>
@@ -3284,6 +3394,672 @@
         </p:txBody>
       </p:sp>
     </p:spTree>
+  </p:cSld>
+  <p:clrMapOvr>
+    <a:masterClrMapping/>
+  </p:clrMapOvr>
+</p:sldLayout>
+</file>
+
+<file path=ppt/slideLayouts/slideLayout6.xml><?xml version="1.0" encoding="utf-8"?>
+<p:sldLayout xmlns:a="http://schemas.openxmlformats.org/drawingml/2006/main" xmlns:r="http://schemas.openxmlformats.org/officeDocument/2006/relationships" xmlns:p="http://schemas.openxmlformats.org/presentationml/2006/main" matchingName="Title + 3 columns">
+  <p:cSld name="Title + 3 columns">
+    <p:bg>
+      <p:bgPr>
+        <a:blipFill>
+          <a:blip r:embed="rId2">
+            <a:alphaModFix/>
+          </a:blip>
+          <a:stretch>
+            <a:fillRect/>
+          </a:stretch>
+        </a:blipFill>
+        <a:effectLst/>
+      </p:bgPr>
+    </p:bg>
+    <p:spTree>
+      <p:nvGrpSpPr>
+        <p:cNvPr id="1" name="Shape 32"/>
+        <p:cNvGrpSpPr/>
+        <p:nvPr/>
+      </p:nvGrpSpPr>
+      <p:grpSpPr>
+        <a:xfrm>
+          <a:off x="0" y="0"/>
+          <a:ext cx="0" cy="0"/>
+          <a:chOff x="0" y="0"/>
+          <a:chExt cx="0" cy="0"/>
+        </a:xfrm>
+      </p:grpSpPr>
+      <p:pic>
+        <p:nvPicPr>
+          <p:cNvPr id="33" name="Google Shape;33;p7" descr="paint_transparent1.png"/>
+          <p:cNvPicPr preferRelativeResize="0"/>
+          <p:nvPr/>
+        </p:nvPicPr>
+        <p:blipFill>
+          <a:blip r:embed="rId3">
+            <a:alphaModFix/>
+          </a:blip>
+          <a:stretch>
+            <a:fillRect/>
+          </a:stretch>
+        </p:blipFill>
+        <p:spPr>
+          <a:xfrm>
+            <a:off x="0" y="0"/>
+            <a:ext cx="9144000" cy="5143500"/>
+          </a:xfrm>
+          <a:prstGeom prst="rect">
+            <a:avLst/>
+          </a:prstGeom>
+          <a:noFill/>
+          <a:ln>
+            <a:noFill/>
+          </a:ln>
+        </p:spPr>
+      </p:pic>
+      <p:sp>
+        <p:nvSpPr>
+          <p:cNvPr id="34" name="Google Shape;34;p7"/>
+          <p:cNvSpPr txBox="1">
+            <a:spLocks noGrp="1"/>
+          </p:cNvSpPr>
+          <p:nvPr>
+            <p:ph type="title"/>
+          </p:nvPr>
+        </p:nvSpPr>
+        <p:spPr>
+          <a:xfrm>
+            <a:off x="457200" y="1348975"/>
+            <a:ext cx="5511300" cy="857400"/>
+          </a:xfrm>
+          <a:prstGeom prst="rect">
+            <a:avLst/>
+          </a:prstGeom>
+        </p:spPr>
+        <p:txBody>
+          <a:bodyPr spcFirstLastPara="1" wrap="square" lIns="91425" tIns="91425" rIns="91425" bIns="91425" anchor="b" anchorCtr="0">
+            <a:noAutofit/>
+          </a:bodyPr>
+          <a:lstStyle>
+            <a:lvl1pPr lvl="0" rtl="0">
+              <a:spcBef>
+                <a:spcPts val="0"/>
+              </a:spcBef>
+              <a:spcAft>
+                <a:spcPts val="0"/>
+              </a:spcAft>
+              <a:buSzPts val="4800"/>
+              <a:buNone/>
+              <a:defRPr/>
+            </a:lvl1pPr>
+            <a:lvl2pPr lvl="1" rtl="0">
+              <a:spcBef>
+                <a:spcPts val="0"/>
+              </a:spcBef>
+              <a:spcAft>
+                <a:spcPts val="0"/>
+              </a:spcAft>
+              <a:buSzPts val="4800"/>
+              <a:buNone/>
+              <a:defRPr/>
+            </a:lvl2pPr>
+            <a:lvl3pPr lvl="2" rtl="0">
+              <a:spcBef>
+                <a:spcPts val="0"/>
+              </a:spcBef>
+              <a:spcAft>
+                <a:spcPts val="0"/>
+              </a:spcAft>
+              <a:buSzPts val="4800"/>
+              <a:buNone/>
+              <a:defRPr/>
+            </a:lvl3pPr>
+            <a:lvl4pPr lvl="3" rtl="0">
+              <a:spcBef>
+                <a:spcPts val="0"/>
+              </a:spcBef>
+              <a:spcAft>
+                <a:spcPts val="0"/>
+              </a:spcAft>
+              <a:buSzPts val="4800"/>
+              <a:buNone/>
+              <a:defRPr/>
+            </a:lvl4pPr>
+            <a:lvl5pPr lvl="4" rtl="0">
+              <a:spcBef>
+                <a:spcPts val="0"/>
+              </a:spcBef>
+              <a:spcAft>
+                <a:spcPts val="0"/>
+              </a:spcAft>
+              <a:buSzPts val="4800"/>
+              <a:buNone/>
+              <a:defRPr/>
+            </a:lvl5pPr>
+            <a:lvl6pPr lvl="5" rtl="0">
+              <a:spcBef>
+                <a:spcPts val="0"/>
+              </a:spcBef>
+              <a:spcAft>
+                <a:spcPts val="0"/>
+              </a:spcAft>
+              <a:buSzPts val="4800"/>
+              <a:buNone/>
+              <a:defRPr/>
+            </a:lvl6pPr>
+            <a:lvl7pPr lvl="6" rtl="0">
+              <a:spcBef>
+                <a:spcPts val="0"/>
+              </a:spcBef>
+              <a:spcAft>
+                <a:spcPts val="0"/>
+              </a:spcAft>
+              <a:buSzPts val="4800"/>
+              <a:buNone/>
+              <a:defRPr/>
+            </a:lvl7pPr>
+            <a:lvl8pPr lvl="7" rtl="0">
+              <a:spcBef>
+                <a:spcPts val="0"/>
+              </a:spcBef>
+              <a:spcAft>
+                <a:spcPts val="0"/>
+              </a:spcAft>
+              <a:buSzPts val="4800"/>
+              <a:buNone/>
+              <a:defRPr/>
+            </a:lvl8pPr>
+            <a:lvl9pPr lvl="8" rtl="0">
+              <a:spcBef>
+                <a:spcPts val="0"/>
+              </a:spcBef>
+              <a:spcAft>
+                <a:spcPts val="0"/>
+              </a:spcAft>
+              <a:buSzPts val="4800"/>
+              <a:buNone/>
+              <a:defRPr/>
+            </a:lvl9pPr>
+          </a:lstStyle>
+          <a:p>
+            <a:endParaRPr/>
+          </a:p>
+        </p:txBody>
+      </p:sp>
+      <p:sp>
+        <p:nvSpPr>
+          <p:cNvPr id="35" name="Google Shape;35;p7"/>
+          <p:cNvSpPr txBox="1">
+            <a:spLocks noGrp="1"/>
+          </p:cNvSpPr>
+          <p:nvPr>
+            <p:ph type="body" idx="1"/>
+          </p:nvPr>
+        </p:nvSpPr>
+        <p:spPr>
+          <a:xfrm>
+            <a:off x="489775" y="2312475"/>
+            <a:ext cx="1831500" cy="2613300"/>
+          </a:xfrm>
+          <a:prstGeom prst="rect">
+            <a:avLst/>
+          </a:prstGeom>
+        </p:spPr>
+        <p:txBody>
+          <a:bodyPr spcFirstLastPara="1" wrap="square" lIns="91425" tIns="91425" rIns="91425" bIns="91425" anchor="t" anchorCtr="0">
+            <a:noAutofit/>
+          </a:bodyPr>
+          <a:lstStyle>
+            <a:lvl1pPr marL="457200" lvl="0" indent="-304800" rtl="0">
+              <a:spcBef>
+                <a:spcPts val="600"/>
+              </a:spcBef>
+              <a:spcAft>
+                <a:spcPts val="0"/>
+              </a:spcAft>
+              <a:buSzPts val="1200"/>
+              <a:buChar char="×"/>
+              <a:defRPr sz="1200"/>
+            </a:lvl1pPr>
+            <a:lvl2pPr marL="914400" lvl="1" indent="-304800" rtl="0">
+              <a:spcBef>
+                <a:spcPts val="0"/>
+              </a:spcBef>
+              <a:spcAft>
+                <a:spcPts val="0"/>
+              </a:spcAft>
+              <a:buSzPts val="1200"/>
+              <a:buChar char="×"/>
+              <a:defRPr sz="1200"/>
+            </a:lvl2pPr>
+            <a:lvl3pPr marL="1371600" lvl="2" indent="-304800" rtl="0">
+              <a:spcBef>
+                <a:spcPts val="0"/>
+              </a:spcBef>
+              <a:spcAft>
+                <a:spcPts val="0"/>
+              </a:spcAft>
+              <a:buSzPts val="1200"/>
+              <a:buChar char="×"/>
+              <a:defRPr sz="1200"/>
+            </a:lvl3pPr>
+            <a:lvl4pPr marL="1828800" lvl="3" indent="-304800" rtl="0">
+              <a:spcBef>
+                <a:spcPts val="0"/>
+              </a:spcBef>
+              <a:spcAft>
+                <a:spcPts val="0"/>
+              </a:spcAft>
+              <a:buSzPts val="1200"/>
+              <a:buChar char="×"/>
+              <a:defRPr sz="1200"/>
+            </a:lvl4pPr>
+            <a:lvl5pPr marL="2286000" lvl="4" indent="-304800" rtl="0">
+              <a:spcBef>
+                <a:spcPts val="0"/>
+              </a:spcBef>
+              <a:spcAft>
+                <a:spcPts val="0"/>
+              </a:spcAft>
+              <a:buSzPts val="1200"/>
+              <a:buChar char="○"/>
+              <a:defRPr sz="1200"/>
+            </a:lvl5pPr>
+            <a:lvl6pPr marL="2743200" lvl="5" indent="-304800" rtl="0">
+              <a:spcBef>
+                <a:spcPts val="0"/>
+              </a:spcBef>
+              <a:spcAft>
+                <a:spcPts val="0"/>
+              </a:spcAft>
+              <a:buSzPts val="1200"/>
+              <a:buChar char="■"/>
+              <a:defRPr sz="1200"/>
+            </a:lvl6pPr>
+            <a:lvl7pPr marL="3200400" lvl="6" indent="-304800" rtl="0">
+              <a:spcBef>
+                <a:spcPts val="0"/>
+              </a:spcBef>
+              <a:spcAft>
+                <a:spcPts val="0"/>
+              </a:spcAft>
+              <a:buSzPts val="1200"/>
+              <a:buChar char="●"/>
+              <a:defRPr sz="1200"/>
+            </a:lvl7pPr>
+            <a:lvl8pPr marL="3657600" lvl="7" indent="-304800" rtl="0">
+              <a:spcBef>
+                <a:spcPts val="0"/>
+              </a:spcBef>
+              <a:spcAft>
+                <a:spcPts val="0"/>
+              </a:spcAft>
+              <a:buSzPts val="1200"/>
+              <a:buChar char="○"/>
+              <a:defRPr sz="1200"/>
+            </a:lvl8pPr>
+            <a:lvl9pPr marL="4114800" lvl="8" indent="-304800" rtl="0">
+              <a:spcBef>
+                <a:spcPts val="0"/>
+              </a:spcBef>
+              <a:spcAft>
+                <a:spcPts val="0"/>
+              </a:spcAft>
+              <a:buSzPts val="1200"/>
+              <a:buChar char="■"/>
+              <a:defRPr sz="1200"/>
+            </a:lvl9pPr>
+          </a:lstStyle>
+          <a:p>
+            <a:endParaRPr/>
+          </a:p>
+        </p:txBody>
+      </p:sp>
+      <p:sp>
+        <p:nvSpPr>
+          <p:cNvPr id="36" name="Google Shape;36;p7"/>
+          <p:cNvSpPr txBox="1">
+            <a:spLocks noGrp="1"/>
+          </p:cNvSpPr>
+          <p:nvPr>
+            <p:ph type="body" idx="2"/>
+          </p:nvPr>
+        </p:nvSpPr>
+        <p:spPr>
+          <a:xfrm>
+            <a:off x="2415136" y="2312475"/>
+            <a:ext cx="1831500" cy="2613300"/>
+          </a:xfrm>
+          <a:prstGeom prst="rect">
+            <a:avLst/>
+          </a:prstGeom>
+        </p:spPr>
+        <p:txBody>
+          <a:bodyPr spcFirstLastPara="1" wrap="square" lIns="91425" tIns="91425" rIns="91425" bIns="91425" anchor="t" anchorCtr="0">
+            <a:noAutofit/>
+          </a:bodyPr>
+          <a:lstStyle>
+            <a:lvl1pPr marL="457200" lvl="0" indent="-304800" rtl="0">
+              <a:spcBef>
+                <a:spcPts val="600"/>
+              </a:spcBef>
+              <a:spcAft>
+                <a:spcPts val="0"/>
+              </a:spcAft>
+              <a:buSzPts val="1200"/>
+              <a:buChar char="×"/>
+              <a:defRPr sz="1200"/>
+            </a:lvl1pPr>
+            <a:lvl2pPr marL="914400" lvl="1" indent="-304800" rtl="0">
+              <a:spcBef>
+                <a:spcPts val="0"/>
+              </a:spcBef>
+              <a:spcAft>
+                <a:spcPts val="0"/>
+              </a:spcAft>
+              <a:buSzPts val="1200"/>
+              <a:buChar char="×"/>
+              <a:defRPr sz="1200"/>
+            </a:lvl2pPr>
+            <a:lvl3pPr marL="1371600" lvl="2" indent="-304800" rtl="0">
+              <a:spcBef>
+                <a:spcPts val="0"/>
+              </a:spcBef>
+              <a:spcAft>
+                <a:spcPts val="0"/>
+              </a:spcAft>
+              <a:buSzPts val="1200"/>
+              <a:buChar char="×"/>
+              <a:defRPr sz="1200"/>
+            </a:lvl3pPr>
+            <a:lvl4pPr marL="1828800" lvl="3" indent="-304800" rtl="0">
+              <a:spcBef>
+                <a:spcPts val="0"/>
+              </a:spcBef>
+              <a:spcAft>
+                <a:spcPts val="0"/>
+              </a:spcAft>
+              <a:buSzPts val="1200"/>
+              <a:buChar char="×"/>
+              <a:defRPr sz="1200"/>
+            </a:lvl4pPr>
+            <a:lvl5pPr marL="2286000" lvl="4" indent="-304800" rtl="0">
+              <a:spcBef>
+                <a:spcPts val="0"/>
+              </a:spcBef>
+              <a:spcAft>
+                <a:spcPts val="0"/>
+              </a:spcAft>
+              <a:buSzPts val="1200"/>
+              <a:buChar char="○"/>
+              <a:defRPr sz="1200"/>
+            </a:lvl5pPr>
+            <a:lvl6pPr marL="2743200" lvl="5" indent="-304800" rtl="0">
+              <a:spcBef>
+                <a:spcPts val="0"/>
+              </a:spcBef>
+              <a:spcAft>
+                <a:spcPts val="0"/>
+              </a:spcAft>
+              <a:buSzPts val="1200"/>
+              <a:buChar char="■"/>
+              <a:defRPr sz="1200"/>
+            </a:lvl6pPr>
+            <a:lvl7pPr marL="3200400" lvl="6" indent="-304800" rtl="0">
+              <a:spcBef>
+                <a:spcPts val="0"/>
+              </a:spcBef>
+              <a:spcAft>
+                <a:spcPts val="0"/>
+              </a:spcAft>
+              <a:buSzPts val="1200"/>
+              <a:buChar char="●"/>
+              <a:defRPr sz="1200"/>
+            </a:lvl7pPr>
+            <a:lvl8pPr marL="3657600" lvl="7" indent="-304800" rtl="0">
+              <a:spcBef>
+                <a:spcPts val="0"/>
+              </a:spcBef>
+              <a:spcAft>
+                <a:spcPts val="0"/>
+              </a:spcAft>
+              <a:buSzPts val="1200"/>
+              <a:buChar char="○"/>
+              <a:defRPr sz="1200"/>
+            </a:lvl8pPr>
+            <a:lvl9pPr marL="4114800" lvl="8" indent="-304800" rtl="0">
+              <a:spcBef>
+                <a:spcPts val="0"/>
+              </a:spcBef>
+              <a:spcAft>
+                <a:spcPts val="0"/>
+              </a:spcAft>
+              <a:buSzPts val="1200"/>
+              <a:buChar char="■"/>
+              <a:defRPr sz="1200"/>
+            </a:lvl9pPr>
+          </a:lstStyle>
+          <a:p>
+            <a:endParaRPr/>
+          </a:p>
+        </p:txBody>
+      </p:sp>
+      <p:sp>
+        <p:nvSpPr>
+          <p:cNvPr id="37" name="Google Shape;37;p7"/>
+          <p:cNvSpPr txBox="1">
+            <a:spLocks noGrp="1"/>
+          </p:cNvSpPr>
+          <p:nvPr>
+            <p:ph type="body" idx="3"/>
+          </p:nvPr>
+        </p:nvSpPr>
+        <p:spPr>
+          <a:xfrm>
+            <a:off x="4340497" y="2312475"/>
+            <a:ext cx="1831500" cy="2613300"/>
+          </a:xfrm>
+          <a:prstGeom prst="rect">
+            <a:avLst/>
+          </a:prstGeom>
+        </p:spPr>
+        <p:txBody>
+          <a:bodyPr spcFirstLastPara="1" wrap="square" lIns="91425" tIns="91425" rIns="91425" bIns="91425" anchor="t" anchorCtr="0">
+            <a:noAutofit/>
+          </a:bodyPr>
+          <a:lstStyle>
+            <a:lvl1pPr marL="457200" lvl="0" indent="-304800" rtl="0">
+              <a:spcBef>
+                <a:spcPts val="600"/>
+              </a:spcBef>
+              <a:spcAft>
+                <a:spcPts val="0"/>
+              </a:spcAft>
+              <a:buSzPts val="1200"/>
+              <a:buChar char="×"/>
+              <a:defRPr sz="1200"/>
+            </a:lvl1pPr>
+            <a:lvl2pPr marL="914400" lvl="1" indent="-304800" rtl="0">
+              <a:spcBef>
+                <a:spcPts val="0"/>
+              </a:spcBef>
+              <a:spcAft>
+                <a:spcPts val="0"/>
+              </a:spcAft>
+              <a:buSzPts val="1200"/>
+              <a:buChar char="×"/>
+              <a:defRPr sz="1200"/>
+            </a:lvl2pPr>
+            <a:lvl3pPr marL="1371600" lvl="2" indent="-304800" rtl="0">
+              <a:spcBef>
+                <a:spcPts val="0"/>
+              </a:spcBef>
+              <a:spcAft>
+                <a:spcPts val="0"/>
+              </a:spcAft>
+              <a:buSzPts val="1200"/>
+              <a:buChar char="×"/>
+              <a:defRPr sz="1200"/>
+            </a:lvl3pPr>
+            <a:lvl4pPr marL="1828800" lvl="3" indent="-304800" rtl="0">
+              <a:spcBef>
+                <a:spcPts val="0"/>
+              </a:spcBef>
+              <a:spcAft>
+                <a:spcPts val="0"/>
+              </a:spcAft>
+              <a:buSzPts val="1200"/>
+              <a:buChar char="×"/>
+              <a:defRPr sz="1200"/>
+            </a:lvl4pPr>
+            <a:lvl5pPr marL="2286000" lvl="4" indent="-304800" rtl="0">
+              <a:spcBef>
+                <a:spcPts val="0"/>
+              </a:spcBef>
+              <a:spcAft>
+                <a:spcPts val="0"/>
+              </a:spcAft>
+              <a:buSzPts val="1200"/>
+              <a:buChar char="○"/>
+              <a:defRPr sz="1200"/>
+            </a:lvl5pPr>
+            <a:lvl6pPr marL="2743200" lvl="5" indent="-304800" rtl="0">
+              <a:spcBef>
+                <a:spcPts val="0"/>
+              </a:spcBef>
+              <a:spcAft>
+                <a:spcPts val="0"/>
+              </a:spcAft>
+              <a:buSzPts val="1200"/>
+              <a:buChar char="■"/>
+              <a:defRPr sz="1200"/>
+            </a:lvl6pPr>
+            <a:lvl7pPr marL="3200400" lvl="6" indent="-304800" rtl="0">
+              <a:spcBef>
+                <a:spcPts val="0"/>
+              </a:spcBef>
+              <a:spcAft>
+                <a:spcPts val="0"/>
+              </a:spcAft>
+              <a:buSzPts val="1200"/>
+              <a:buChar char="●"/>
+              <a:defRPr sz="1200"/>
+            </a:lvl7pPr>
+            <a:lvl8pPr marL="3657600" lvl="7" indent="-304800" rtl="0">
+              <a:spcBef>
+                <a:spcPts val="0"/>
+              </a:spcBef>
+              <a:spcAft>
+                <a:spcPts val="0"/>
+              </a:spcAft>
+              <a:buSzPts val="1200"/>
+              <a:buChar char="○"/>
+              <a:defRPr sz="1200"/>
+            </a:lvl8pPr>
+            <a:lvl9pPr marL="4114800" lvl="8" indent="-304800" rtl="0">
+              <a:spcBef>
+                <a:spcPts val="0"/>
+              </a:spcBef>
+              <a:spcAft>
+                <a:spcPts val="0"/>
+              </a:spcAft>
+              <a:buSzPts val="1200"/>
+              <a:buChar char="■"/>
+              <a:defRPr sz="1200"/>
+            </a:lvl9pPr>
+          </a:lstStyle>
+          <a:p>
+            <a:endParaRPr/>
+          </a:p>
+        </p:txBody>
+      </p:sp>
+      <p:sp>
+        <p:nvSpPr>
+          <p:cNvPr id="38" name="Google Shape;38;p7"/>
+          <p:cNvSpPr txBox="1">
+            <a:spLocks noGrp="1"/>
+          </p:cNvSpPr>
+          <p:nvPr>
+            <p:ph type="sldNum" idx="12"/>
+          </p:nvPr>
+        </p:nvSpPr>
+        <p:spPr>
+          <a:xfrm>
+            <a:off x="8480584" y="4673651"/>
+            <a:ext cx="548700" cy="393600"/>
+          </a:xfrm>
+          <a:prstGeom prst="rect">
+            <a:avLst/>
+          </a:prstGeom>
+        </p:spPr>
+        <p:txBody>
+          <a:bodyPr spcFirstLastPara="1" wrap="square" lIns="91425" tIns="91425" rIns="91425" bIns="91425" anchor="ctr" anchorCtr="0">
+            <a:noAutofit/>
+          </a:bodyPr>
+          <a:lstStyle>
+            <a:lvl1pPr lvl="0">
+              <a:buNone/>
+              <a:defRPr/>
+            </a:lvl1pPr>
+            <a:lvl2pPr lvl="1">
+              <a:buNone/>
+              <a:defRPr/>
+            </a:lvl2pPr>
+            <a:lvl3pPr lvl="2">
+              <a:buNone/>
+              <a:defRPr/>
+            </a:lvl3pPr>
+            <a:lvl4pPr lvl="3">
+              <a:buNone/>
+              <a:defRPr/>
+            </a:lvl4pPr>
+            <a:lvl5pPr lvl="4">
+              <a:buNone/>
+              <a:defRPr/>
+            </a:lvl5pPr>
+            <a:lvl6pPr lvl="5">
+              <a:buNone/>
+              <a:defRPr/>
+            </a:lvl6pPr>
+            <a:lvl7pPr lvl="6">
+              <a:buNone/>
+              <a:defRPr/>
+            </a:lvl7pPr>
+            <a:lvl8pPr lvl="7">
+              <a:buNone/>
+              <a:defRPr/>
+            </a:lvl8pPr>
+            <a:lvl9pPr lvl="8">
+              <a:buNone/>
+              <a:defRPr/>
+            </a:lvl9pPr>
+          </a:lstStyle>
+          <a:p>
+            <a:pPr marL="0" lvl="0" indent="0" algn="r" rtl="0">
+              <a:spcBef>
+                <a:spcPts val="0"/>
+              </a:spcBef>
+              <a:spcAft>
+                <a:spcPts val="0"/>
+              </a:spcAft>
+              <a:buNone/>
+            </a:pPr>
+            <a:fld id="{00000000-1234-1234-1234-123412341234}" type="slidenum">
+              <a:rPr lang="en"/>
+              <a:t>‹Nº›</a:t>
+            </a:fld>
+            <a:endParaRPr/>
+          </a:p>
+        </p:txBody>
+      </p:sp>
+    </p:spTree>
+    <p:extLst>
+      <p:ext uri="{BB962C8B-B14F-4D97-AF65-F5344CB8AC3E}">
+        <p14:creationId xmlns:p14="http://schemas.microsoft.com/office/powerpoint/2010/main" val="421758033"/>
+      </p:ext>
+    </p:extLst>
   </p:cSld>
   <p:clrMapOvr>
     <a:masterClrMapping/>
@@ -3989,6 +4765,7 @@
     <p:sldLayoutId id="2147483651" r:id="rId3"/>
     <p:sldLayoutId id="2147483652" r:id="rId4"/>
     <p:sldLayoutId id="2147483656" r:id="rId5"/>
+    <p:sldLayoutId id="2147483660" r:id="rId6"/>
   </p:sldLayoutIdLst>
   <p:transition>
     <p:fade thruBlk="1"/>
@@ -6222,6 +6999,390 @@
   <p:cSld>
     <p:spTree>
       <p:nvGrpSpPr>
+        <p:cNvPr id="1" name="Shape 119"/>
+        <p:cNvGrpSpPr/>
+        <p:nvPr/>
+      </p:nvGrpSpPr>
+      <p:grpSpPr>
+        <a:xfrm>
+          <a:off x="0" y="0"/>
+          <a:ext cx="0" cy="0"/>
+          <a:chOff x="0" y="0"/>
+          <a:chExt cx="0" cy="0"/>
+        </a:xfrm>
+      </p:grpSpPr>
+      <p:pic>
+        <p:nvPicPr>
+          <p:cNvPr id="7" name="Imagen 6" descr="Interfaz de usuario gráfica, Aplicación, Correo electrónico&#10;&#10;Descripción generada automáticamente">
+            <a:extLst>
+              <a:ext uri="{FF2B5EF4-FFF2-40B4-BE49-F238E27FC236}">
+                <a16:creationId xmlns:a16="http://schemas.microsoft.com/office/drawing/2014/main" id="{7B3FDEA3-797F-45E0-94F9-2149A01BDF90}"/>
+              </a:ext>
+            </a:extLst>
+          </p:cNvPr>
+          <p:cNvPicPr>
+            <a:picLocks noChangeAspect="1"/>
+          </p:cNvPicPr>
+          <p:nvPr/>
+        </p:nvPicPr>
+        <p:blipFill>
+          <a:blip r:embed="rId3"/>
+          <a:stretch>
+            <a:fillRect/>
+          </a:stretch>
+        </p:blipFill>
+        <p:spPr>
+          <a:xfrm>
+            <a:off x="33338" y="758400"/>
+            <a:ext cx="6007463" cy="4144800"/>
+          </a:xfrm>
+          <a:prstGeom prst="rect">
+            <a:avLst/>
+          </a:prstGeom>
+        </p:spPr>
+      </p:pic>
+      <p:sp>
+        <p:nvSpPr>
+          <p:cNvPr id="124" name="Google Shape;124;p21"/>
+          <p:cNvSpPr txBox="1">
+            <a:spLocks noGrp="1"/>
+          </p:cNvSpPr>
+          <p:nvPr>
+            <p:ph type="sldNum" idx="12"/>
+          </p:nvPr>
+        </p:nvSpPr>
+        <p:spPr>
+          <a:xfrm>
+            <a:off x="8480584" y="4673651"/>
+            <a:ext cx="548700" cy="393600"/>
+          </a:xfrm>
+          <a:prstGeom prst="rect">
+            <a:avLst/>
+          </a:prstGeom>
+        </p:spPr>
+        <p:txBody>
+          <a:bodyPr spcFirstLastPara="1" wrap="square" lIns="91425" tIns="91425" rIns="91425" bIns="91425" anchor="ctr" anchorCtr="0">
+            <a:noAutofit/>
+          </a:bodyPr>
+          <a:lstStyle/>
+          <a:p>
+            <a:pPr marL="0" lvl="0" indent="0" algn="r" rtl="0">
+              <a:spcBef>
+                <a:spcPts val="0"/>
+              </a:spcBef>
+              <a:spcAft>
+                <a:spcPts val="0"/>
+              </a:spcAft>
+              <a:buNone/>
+            </a:pPr>
+            <a:fld id="{00000000-1234-1234-1234-123412341234}" type="slidenum">
+              <a:rPr lang="en"/>
+              <a:t>6</a:t>
+            </a:fld>
+            <a:endParaRPr/>
+          </a:p>
+        </p:txBody>
+      </p:sp>
+      <p:sp>
+        <p:nvSpPr>
+          <p:cNvPr id="6" name="Google Shape;94;p18">
+            <a:extLst>
+              <a:ext uri="{FF2B5EF4-FFF2-40B4-BE49-F238E27FC236}">
+                <a16:creationId xmlns:a16="http://schemas.microsoft.com/office/drawing/2014/main" id="{DA085EF4-2F94-4DC6-934C-BD1DD16B7784}"/>
+              </a:ext>
+            </a:extLst>
+          </p:cNvPr>
+          <p:cNvSpPr txBox="1">
+            <a:spLocks/>
+          </p:cNvSpPr>
+          <p:nvPr/>
+        </p:nvSpPr>
+        <p:spPr>
+          <a:xfrm>
+            <a:off x="157240" y="-182951"/>
+            <a:ext cx="5511300" cy="857400"/>
+          </a:xfrm>
+          <a:prstGeom prst="rect">
+            <a:avLst/>
+          </a:prstGeom>
+          <a:noFill/>
+          <a:ln>
+            <a:noFill/>
+          </a:ln>
+        </p:spPr>
+        <p:txBody>
+          <a:bodyPr spcFirstLastPara="1" wrap="square" lIns="91425" tIns="91425" rIns="91425" bIns="91425" anchor="b" anchorCtr="0">
+            <a:noAutofit/>
+          </a:bodyPr>
+          <a:lstStyle>
+            <a:defPPr marR="0" lvl="0" algn="l" rtl="0">
+              <a:lnSpc>
+                <a:spcPct val="100000"/>
+              </a:lnSpc>
+              <a:spcBef>
+                <a:spcPts val="0"/>
+              </a:spcBef>
+              <a:spcAft>
+                <a:spcPts val="0"/>
+              </a:spcAft>
+            </a:defPPr>
+            <a:lvl1pPr marR="0" lvl="0" algn="l" rtl="0">
+              <a:lnSpc>
+                <a:spcPct val="80000"/>
+              </a:lnSpc>
+              <a:spcBef>
+                <a:spcPts val="0"/>
+              </a:spcBef>
+              <a:spcAft>
+                <a:spcPts val="0"/>
+              </a:spcAft>
+              <a:buClr>
+                <a:schemeClr val="dk1"/>
+              </a:buClr>
+              <a:buSzPts val="4800"/>
+              <a:buFont typeface="Lato"/>
+              <a:buNone/>
+              <a:defRPr sz="4800" b="0" i="0" u="none" strike="noStrike" cap="none">
+                <a:solidFill>
+                  <a:schemeClr val="dk1"/>
+                </a:solidFill>
+                <a:latin typeface="Lato"/>
+                <a:ea typeface="Lato"/>
+                <a:cs typeface="Lato"/>
+                <a:sym typeface="Lato"/>
+              </a:defRPr>
+            </a:lvl1pPr>
+            <a:lvl2pPr marR="0" lvl="1" algn="l" rtl="0">
+              <a:lnSpc>
+                <a:spcPct val="80000"/>
+              </a:lnSpc>
+              <a:spcBef>
+                <a:spcPts val="0"/>
+              </a:spcBef>
+              <a:spcAft>
+                <a:spcPts val="0"/>
+              </a:spcAft>
+              <a:buClr>
+                <a:schemeClr val="dk1"/>
+              </a:buClr>
+              <a:buSzPts val="4800"/>
+              <a:buFont typeface="Lato"/>
+              <a:buNone/>
+              <a:defRPr sz="4800" b="0" i="0" u="none" strike="noStrike" cap="none">
+                <a:solidFill>
+                  <a:schemeClr val="dk1"/>
+                </a:solidFill>
+                <a:latin typeface="Lato"/>
+                <a:ea typeface="Lato"/>
+                <a:cs typeface="Lato"/>
+                <a:sym typeface="Lato"/>
+              </a:defRPr>
+            </a:lvl2pPr>
+            <a:lvl3pPr marR="0" lvl="2" algn="l" rtl="0">
+              <a:lnSpc>
+                <a:spcPct val="80000"/>
+              </a:lnSpc>
+              <a:spcBef>
+                <a:spcPts val="0"/>
+              </a:spcBef>
+              <a:spcAft>
+                <a:spcPts val="0"/>
+              </a:spcAft>
+              <a:buClr>
+                <a:schemeClr val="dk1"/>
+              </a:buClr>
+              <a:buSzPts val="4800"/>
+              <a:buFont typeface="Lato"/>
+              <a:buNone/>
+              <a:defRPr sz="4800" b="0" i="0" u="none" strike="noStrike" cap="none">
+                <a:solidFill>
+                  <a:schemeClr val="dk1"/>
+                </a:solidFill>
+                <a:latin typeface="Lato"/>
+                <a:ea typeface="Lato"/>
+                <a:cs typeface="Lato"/>
+                <a:sym typeface="Lato"/>
+              </a:defRPr>
+            </a:lvl3pPr>
+            <a:lvl4pPr marR="0" lvl="3" algn="l" rtl="0">
+              <a:lnSpc>
+                <a:spcPct val="80000"/>
+              </a:lnSpc>
+              <a:spcBef>
+                <a:spcPts val="0"/>
+              </a:spcBef>
+              <a:spcAft>
+                <a:spcPts val="0"/>
+              </a:spcAft>
+              <a:buClr>
+                <a:schemeClr val="dk1"/>
+              </a:buClr>
+              <a:buSzPts val="4800"/>
+              <a:buFont typeface="Lato"/>
+              <a:buNone/>
+              <a:defRPr sz="4800" b="0" i="0" u="none" strike="noStrike" cap="none">
+                <a:solidFill>
+                  <a:schemeClr val="dk1"/>
+                </a:solidFill>
+                <a:latin typeface="Lato"/>
+                <a:ea typeface="Lato"/>
+                <a:cs typeface="Lato"/>
+                <a:sym typeface="Lato"/>
+              </a:defRPr>
+            </a:lvl4pPr>
+            <a:lvl5pPr marR="0" lvl="4" algn="l" rtl="0">
+              <a:lnSpc>
+                <a:spcPct val="80000"/>
+              </a:lnSpc>
+              <a:spcBef>
+                <a:spcPts val="0"/>
+              </a:spcBef>
+              <a:spcAft>
+                <a:spcPts val="0"/>
+              </a:spcAft>
+              <a:buClr>
+                <a:schemeClr val="dk1"/>
+              </a:buClr>
+              <a:buSzPts val="4800"/>
+              <a:buFont typeface="Lato"/>
+              <a:buNone/>
+              <a:defRPr sz="4800" b="0" i="0" u="none" strike="noStrike" cap="none">
+                <a:solidFill>
+                  <a:schemeClr val="dk1"/>
+                </a:solidFill>
+                <a:latin typeface="Lato"/>
+                <a:ea typeface="Lato"/>
+                <a:cs typeface="Lato"/>
+                <a:sym typeface="Lato"/>
+              </a:defRPr>
+            </a:lvl5pPr>
+            <a:lvl6pPr marR="0" lvl="5" algn="l" rtl="0">
+              <a:lnSpc>
+                <a:spcPct val="80000"/>
+              </a:lnSpc>
+              <a:spcBef>
+                <a:spcPts val="0"/>
+              </a:spcBef>
+              <a:spcAft>
+                <a:spcPts val="0"/>
+              </a:spcAft>
+              <a:buClr>
+                <a:schemeClr val="dk1"/>
+              </a:buClr>
+              <a:buSzPts val="4800"/>
+              <a:buFont typeface="Lato"/>
+              <a:buNone/>
+              <a:defRPr sz="4800" b="0" i="0" u="none" strike="noStrike" cap="none">
+                <a:solidFill>
+                  <a:schemeClr val="dk1"/>
+                </a:solidFill>
+                <a:latin typeface="Lato"/>
+                <a:ea typeface="Lato"/>
+                <a:cs typeface="Lato"/>
+                <a:sym typeface="Lato"/>
+              </a:defRPr>
+            </a:lvl6pPr>
+            <a:lvl7pPr marR="0" lvl="6" algn="l" rtl="0">
+              <a:lnSpc>
+                <a:spcPct val="80000"/>
+              </a:lnSpc>
+              <a:spcBef>
+                <a:spcPts val="0"/>
+              </a:spcBef>
+              <a:spcAft>
+                <a:spcPts val="0"/>
+              </a:spcAft>
+              <a:buClr>
+                <a:schemeClr val="dk1"/>
+              </a:buClr>
+              <a:buSzPts val="4800"/>
+              <a:buFont typeface="Lato"/>
+              <a:buNone/>
+              <a:defRPr sz="4800" b="0" i="0" u="none" strike="noStrike" cap="none">
+                <a:solidFill>
+                  <a:schemeClr val="dk1"/>
+                </a:solidFill>
+                <a:latin typeface="Lato"/>
+                <a:ea typeface="Lato"/>
+                <a:cs typeface="Lato"/>
+                <a:sym typeface="Lato"/>
+              </a:defRPr>
+            </a:lvl7pPr>
+            <a:lvl8pPr marR="0" lvl="7" algn="l" rtl="0">
+              <a:lnSpc>
+                <a:spcPct val="80000"/>
+              </a:lnSpc>
+              <a:spcBef>
+                <a:spcPts val="0"/>
+              </a:spcBef>
+              <a:spcAft>
+                <a:spcPts val="0"/>
+              </a:spcAft>
+              <a:buClr>
+                <a:schemeClr val="dk1"/>
+              </a:buClr>
+              <a:buSzPts val="4800"/>
+              <a:buFont typeface="Lato"/>
+              <a:buNone/>
+              <a:defRPr sz="4800" b="0" i="0" u="none" strike="noStrike" cap="none">
+                <a:solidFill>
+                  <a:schemeClr val="dk1"/>
+                </a:solidFill>
+                <a:latin typeface="Lato"/>
+                <a:ea typeface="Lato"/>
+                <a:cs typeface="Lato"/>
+                <a:sym typeface="Lato"/>
+              </a:defRPr>
+            </a:lvl8pPr>
+            <a:lvl9pPr marR="0" lvl="8" algn="l" rtl="0">
+              <a:lnSpc>
+                <a:spcPct val="80000"/>
+              </a:lnSpc>
+              <a:spcBef>
+                <a:spcPts val="0"/>
+              </a:spcBef>
+              <a:spcAft>
+                <a:spcPts val="0"/>
+              </a:spcAft>
+              <a:buClr>
+                <a:schemeClr val="dk1"/>
+              </a:buClr>
+              <a:buSzPts val="4800"/>
+              <a:buFont typeface="Lato"/>
+              <a:buNone/>
+              <a:defRPr sz="4800" b="0" i="0" u="none" strike="noStrike" cap="none">
+                <a:solidFill>
+                  <a:schemeClr val="dk1"/>
+                </a:solidFill>
+                <a:latin typeface="Lato"/>
+                <a:ea typeface="Lato"/>
+                <a:cs typeface="Lato"/>
+                <a:sym typeface="Lato"/>
+              </a:defRPr>
+            </a:lvl9pPr>
+          </a:lstStyle>
+          <a:p>
+            <a:r>
+              <a:rPr lang="en-US" sz="3200" dirty="0" err="1"/>
+              <a:t>Despliegue</a:t>
+            </a:r>
+            <a:endParaRPr lang="en-US" dirty="0"/>
+          </a:p>
+        </p:txBody>
+      </p:sp>
+    </p:spTree>
+  </p:cSld>
+  <p:clrMapOvr>
+    <a:masterClrMapping/>
+  </p:clrMapOvr>
+</p:sld>
+</file>
+
+<file path=ppt/slides/slide7.xml><?xml version="1.0" encoding="utf-8"?>
+<p:sld xmlns:a="http://schemas.openxmlformats.org/drawingml/2006/main" xmlns:r="http://schemas.openxmlformats.org/officeDocument/2006/relationships" xmlns:p="http://schemas.openxmlformats.org/presentationml/2006/main">
+  <p:cSld>
+    <p:spTree>
+      <p:nvGrpSpPr>
         <p:cNvPr id="1" name="Shape 93"/>
         <p:cNvGrpSpPr/>
         <p:nvPr/>
@@ -6270,7 +7431,7 @@
             </a:pPr>
             <a:fld id="{00000000-1234-1234-1234-123412341234}" type="slidenum">
               <a:rPr lang="en"/>
-              <a:t>6</a:t>
+              <a:t>7</a:t>
             </a:fld>
             <a:endParaRPr/>
           </a:p>
@@ -6601,7 +7762,7 @@
 </p:sld>
 </file>
 
-<file path=ppt/slides/slide7.xml><?xml version="1.0" encoding="utf-8"?>
+<file path=ppt/slides/slide8.xml><?xml version="1.0" encoding="utf-8"?>
 <p:sld xmlns:a="http://schemas.openxmlformats.org/drawingml/2006/main" xmlns:r="http://schemas.openxmlformats.org/officeDocument/2006/relationships" xmlns:p="http://schemas.openxmlformats.org/presentationml/2006/main">
   <p:cSld>
     <p:spTree>
@@ -17817,7 +18978,7 @@
             </a:pPr>
             <a:fld id="{00000000-1234-1234-1234-123412341234}" type="slidenum">
               <a:rPr lang="en"/>
-              <a:t>7</a:t>
+              <a:t>8</a:t>
             </a:fld>
             <a:endParaRPr/>
           </a:p>

--- a/Proyecto 4 BBDD.pptx
+++ b/Proyecto 4 BBDD.pptx
@@ -12,9 +12,9 @@
     <p:sldId id="257" r:id="rId3"/>
     <p:sldId id="259" r:id="rId4"/>
     <p:sldId id="296" r:id="rId5"/>
-    <p:sldId id="295" r:id="rId6"/>
-    <p:sldId id="264" r:id="rId7"/>
-    <p:sldId id="261" r:id="rId8"/>
+    <p:sldId id="264" r:id="rId6"/>
+    <p:sldId id="261" r:id="rId7"/>
+    <p:sldId id="295" r:id="rId8"/>
     <p:sldId id="262" r:id="rId9"/>
   </p:sldIdLst>
   <p:sldSz cx="9144000" cy="5143500" type="screen16x9"/>
@@ -254,6 +254,87 @@
     </p:ext>
   </p:extLst>
 </p:presentation>
+</file>
+
+<file path=ppt/changesInfos/changesInfo1.xml><?xml version="1.0" encoding="utf-8"?>
+<pc:chgInfo xmlns:a="http://schemas.openxmlformats.org/drawingml/2006/main" xmlns:r="http://schemas.openxmlformats.org/officeDocument/2006/relationships" xmlns:ac="http://schemas.microsoft.com/office/drawing/2013/main/command" xmlns:pc="http://schemas.microsoft.com/office/powerpoint/2013/main/command">
+  <pc:docChgLst>
+    <pc:chgData name="Alicia Martínez Baulenas" userId="d76a297bff22876d" providerId="LiveId" clId="{90BCEC90-D490-4E90-B1C5-653428AB34B9}"/>
+    <pc:docChg chg="undo custSel modSld sldOrd">
+      <pc:chgData name="Alicia Martínez Baulenas" userId="d76a297bff22876d" providerId="LiveId" clId="{90BCEC90-D490-4E90-B1C5-653428AB34B9}" dt="2024-03-22T00:23:09.069" v="33" actId="20577"/>
+      <pc:docMkLst>
+        <pc:docMk/>
+      </pc:docMkLst>
+      <pc:sldChg chg="modSp mod">
+        <pc:chgData name="Alicia Martínez Baulenas" userId="d76a297bff22876d" providerId="LiveId" clId="{90BCEC90-D490-4E90-B1C5-653428AB34B9}" dt="2024-03-22T00:23:09.069" v="33" actId="20577"/>
+        <pc:sldMkLst>
+          <pc:docMk/>
+          <pc:sldMk cId="0" sldId="256"/>
+        </pc:sldMkLst>
+        <pc:spChg chg="mod">
+          <ac:chgData name="Alicia Martínez Baulenas" userId="d76a297bff22876d" providerId="LiveId" clId="{90BCEC90-D490-4E90-B1C5-653428AB34B9}" dt="2024-03-22T00:23:09.069" v="33" actId="20577"/>
+          <ac:spMkLst>
+            <pc:docMk/>
+            <pc:sldMk cId="0" sldId="256"/>
+            <ac:spMk id="60" creationId="{00000000-0000-0000-0000-000000000000}"/>
+          </ac:spMkLst>
+        </pc:spChg>
+      </pc:sldChg>
+      <pc:sldChg chg="modSp mod">
+        <pc:chgData name="Alicia Martínez Baulenas" userId="d76a297bff22876d" providerId="LiveId" clId="{90BCEC90-D490-4E90-B1C5-653428AB34B9}" dt="2024-03-22T00:22:12.144" v="9" actId="20577"/>
+        <pc:sldMkLst>
+          <pc:docMk/>
+          <pc:sldMk cId="0" sldId="259"/>
+        </pc:sldMkLst>
+        <pc:spChg chg="mod">
+          <ac:chgData name="Alicia Martínez Baulenas" userId="d76a297bff22876d" providerId="LiveId" clId="{90BCEC90-D490-4E90-B1C5-653428AB34B9}" dt="2024-03-22T00:22:12.144" v="9" actId="20577"/>
+          <ac:spMkLst>
+            <pc:docMk/>
+            <pc:sldMk cId="0" sldId="259"/>
+            <ac:spMk id="11" creationId="{B6C2C6C8-B9CC-480F-93D7-0AFF7162E7B7}"/>
+          </ac:spMkLst>
+        </pc:spChg>
+      </pc:sldChg>
+      <pc:sldChg chg="ord">
+        <pc:chgData name="Alicia Martínez Baulenas" userId="d76a297bff22876d" providerId="LiveId" clId="{90BCEC90-D490-4E90-B1C5-653428AB34B9}" dt="2024-03-22T00:21:33.469" v="3"/>
+        <pc:sldMkLst>
+          <pc:docMk/>
+          <pc:sldMk cId="0" sldId="261"/>
+        </pc:sldMkLst>
+      </pc:sldChg>
+      <pc:sldChg chg="ord">
+        <pc:chgData name="Alicia Martínez Baulenas" userId="d76a297bff22876d" providerId="LiveId" clId="{90BCEC90-D490-4E90-B1C5-653428AB34B9}" dt="2024-03-22T00:21:27.322" v="1"/>
+        <pc:sldMkLst>
+          <pc:docMk/>
+          <pc:sldMk cId="0" sldId="264"/>
+        </pc:sldMkLst>
+      </pc:sldChg>
+      <pc:sldChg chg="modSp mod">
+        <pc:chgData name="Alicia Martínez Baulenas" userId="d76a297bff22876d" providerId="LiveId" clId="{90BCEC90-D490-4E90-B1C5-653428AB34B9}" dt="2024-03-22T00:22:34.406" v="24" actId="1076"/>
+        <pc:sldMkLst>
+          <pc:docMk/>
+          <pc:sldMk cId="3220506436" sldId="296"/>
+        </pc:sldMkLst>
+        <pc:spChg chg="mod">
+          <ac:chgData name="Alicia Martínez Baulenas" userId="d76a297bff22876d" providerId="LiveId" clId="{90BCEC90-D490-4E90-B1C5-653428AB34B9}" dt="2024-03-22T00:22:34.406" v="24" actId="1076"/>
+          <ac:spMkLst>
+            <pc:docMk/>
+            <pc:sldMk cId="3220506436" sldId="296"/>
+            <ac:spMk id="11" creationId="{B6C2C6C8-B9CC-480F-93D7-0AFF7162E7B7}"/>
+          </ac:spMkLst>
+        </pc:spChg>
+        <pc:picChg chg="mod">
+          <ac:chgData name="Alicia Martínez Baulenas" userId="d76a297bff22876d" providerId="LiveId" clId="{90BCEC90-D490-4E90-B1C5-653428AB34B9}" dt="2024-03-22T00:22:29.370" v="23" actId="1076"/>
+          <ac:picMkLst>
+            <pc:docMk/>
+            <pc:sldMk cId="3220506436" sldId="296"/>
+            <ac:picMk id="3" creationId="{3DFBBBBD-A1E0-4AF7-9088-444B929CB253}"/>
+          </ac:picMkLst>
+        </pc:picChg>
+      </pc:sldChg>
+    </pc:docChg>
+  </pc:docChgLst>
+</pc:chgInfo>
 </file>
 
 <file path=ppt/notesMasters/notesMaster1.xml><?xml version="1.0" encoding="utf-8"?>
@@ -1123,115 +1204,6 @@
   <p:cSld>
     <p:spTree>
       <p:nvGrpSpPr>
-        <p:cNvPr id="1" name="Shape 77"/>
-        <p:cNvGrpSpPr/>
-        <p:nvPr/>
-      </p:nvGrpSpPr>
-      <p:grpSpPr>
-        <a:xfrm>
-          <a:off x="0" y="0"/>
-          <a:ext cx="0" cy="0"/>
-          <a:chOff x="0" y="0"/>
-          <a:chExt cx="0" cy="0"/>
-        </a:xfrm>
-      </p:grpSpPr>
-      <p:sp>
-        <p:nvSpPr>
-          <p:cNvPr id="78" name="Google Shape;78;g35f391192_029:notes"/>
-          <p:cNvSpPr>
-            <a:spLocks noGrp="1" noRot="1" noChangeAspect="1"/>
-          </p:cNvSpPr>
-          <p:nvPr>
-            <p:ph type="sldImg" idx="2"/>
-          </p:nvPr>
-        </p:nvSpPr>
-        <p:spPr>
-          <a:xfrm>
-            <a:off x="381000" y="685800"/>
-            <a:ext cx="6096000" cy="3429000"/>
-          </a:xfrm>
-          <a:custGeom>
-            <a:avLst/>
-            <a:gdLst/>
-            <a:ahLst/>
-            <a:cxnLst/>
-            <a:rect l="l" t="t" r="r" b="b"/>
-            <a:pathLst>
-              <a:path w="120000" h="120000" extrusionOk="0">
-                <a:moveTo>
-                  <a:pt x="0" y="0"/>
-                </a:moveTo>
-                <a:lnTo>
-                  <a:pt x="120000" y="0"/>
-                </a:lnTo>
-                <a:lnTo>
-                  <a:pt x="120000" y="120000"/>
-                </a:lnTo>
-                <a:lnTo>
-                  <a:pt x="0" y="120000"/>
-                </a:lnTo>
-                <a:close/>
-              </a:path>
-            </a:pathLst>
-          </a:custGeom>
-        </p:spPr>
-      </p:sp>
-      <p:sp>
-        <p:nvSpPr>
-          <p:cNvPr id="79" name="Google Shape;79;g35f391192_029:notes"/>
-          <p:cNvSpPr txBox="1">
-            <a:spLocks noGrp="1"/>
-          </p:cNvSpPr>
-          <p:nvPr>
-            <p:ph type="body" idx="1"/>
-          </p:nvPr>
-        </p:nvSpPr>
-        <p:spPr>
-          <a:xfrm>
-            <a:off x="685800" y="4343400"/>
-            <a:ext cx="5486400" cy="4114800"/>
-          </a:xfrm>
-          <a:prstGeom prst="rect">
-            <a:avLst/>
-          </a:prstGeom>
-        </p:spPr>
-        <p:txBody>
-          <a:bodyPr spcFirstLastPara="1" wrap="square" lIns="91425" tIns="91425" rIns="91425" bIns="91425" anchor="t" anchorCtr="0">
-            <a:noAutofit/>
-          </a:bodyPr>
-          <a:lstStyle/>
-          <a:p>
-            <a:pPr marL="0" lvl="0" indent="0" algn="l" rtl="0">
-              <a:spcBef>
-                <a:spcPts val="0"/>
-              </a:spcBef>
-              <a:spcAft>
-                <a:spcPts val="0"/>
-              </a:spcAft>
-              <a:buNone/>
-            </a:pPr>
-            <a:endParaRPr/>
-          </a:p>
-        </p:txBody>
-      </p:sp>
-    </p:spTree>
-    <p:extLst>
-      <p:ext uri="{BB962C8B-B14F-4D97-AF65-F5344CB8AC3E}">
-        <p14:creationId xmlns:p14="http://schemas.microsoft.com/office/powerpoint/2010/main" val="2048103439"/>
-      </p:ext>
-    </p:extLst>
-  </p:cSld>
-  <p:clrMapOvr>
-    <a:masterClrMapping/>
-  </p:clrMapOvr>
-</p:notes>
-</file>
-
-<file path=ppt/notesSlides/notesSlide6.xml><?xml version="1.0" encoding="utf-8"?>
-<p:notes xmlns:a="http://schemas.openxmlformats.org/drawingml/2006/main" xmlns:r="http://schemas.openxmlformats.org/officeDocument/2006/relationships" xmlns:p="http://schemas.openxmlformats.org/presentationml/2006/main" showMasterSp="0" showMasterPhAnim="0">
-  <p:cSld>
-    <p:spTree>
-      <p:nvGrpSpPr>
         <p:cNvPr id="1" name="Shape 116"/>
         <p:cNvGrpSpPr/>
         <p:nvPr/>
@@ -1331,7 +1303,7 @@
 </p:notes>
 </file>
 
-<file path=ppt/notesSlides/notesSlide7.xml><?xml version="1.0" encoding="utf-8"?>
+<file path=ppt/notesSlides/notesSlide6.xml><?xml version="1.0" encoding="utf-8"?>
 <p:notes xmlns:a="http://schemas.openxmlformats.org/drawingml/2006/main" xmlns:r="http://schemas.openxmlformats.org/officeDocument/2006/relationships" xmlns:p="http://schemas.openxmlformats.org/presentationml/2006/main" showMasterSp="0" showMasterPhAnim="0">
   <p:cSld>
     <p:spTree>
@@ -1428,6 +1400,115 @@
         </p:txBody>
       </p:sp>
     </p:spTree>
+  </p:cSld>
+  <p:clrMapOvr>
+    <a:masterClrMapping/>
+  </p:clrMapOvr>
+</p:notes>
+</file>
+
+<file path=ppt/notesSlides/notesSlide7.xml><?xml version="1.0" encoding="utf-8"?>
+<p:notes xmlns:a="http://schemas.openxmlformats.org/drawingml/2006/main" xmlns:r="http://schemas.openxmlformats.org/officeDocument/2006/relationships" xmlns:p="http://schemas.openxmlformats.org/presentationml/2006/main" showMasterSp="0" showMasterPhAnim="0">
+  <p:cSld>
+    <p:spTree>
+      <p:nvGrpSpPr>
+        <p:cNvPr id="1" name="Shape 77"/>
+        <p:cNvGrpSpPr/>
+        <p:nvPr/>
+      </p:nvGrpSpPr>
+      <p:grpSpPr>
+        <a:xfrm>
+          <a:off x="0" y="0"/>
+          <a:ext cx="0" cy="0"/>
+          <a:chOff x="0" y="0"/>
+          <a:chExt cx="0" cy="0"/>
+        </a:xfrm>
+      </p:grpSpPr>
+      <p:sp>
+        <p:nvSpPr>
+          <p:cNvPr id="78" name="Google Shape;78;g35f391192_029:notes"/>
+          <p:cNvSpPr>
+            <a:spLocks noGrp="1" noRot="1" noChangeAspect="1"/>
+          </p:cNvSpPr>
+          <p:nvPr>
+            <p:ph type="sldImg" idx="2"/>
+          </p:nvPr>
+        </p:nvSpPr>
+        <p:spPr>
+          <a:xfrm>
+            <a:off x="381000" y="685800"/>
+            <a:ext cx="6096000" cy="3429000"/>
+          </a:xfrm>
+          <a:custGeom>
+            <a:avLst/>
+            <a:gdLst/>
+            <a:ahLst/>
+            <a:cxnLst/>
+            <a:rect l="l" t="t" r="r" b="b"/>
+            <a:pathLst>
+              <a:path w="120000" h="120000" extrusionOk="0">
+                <a:moveTo>
+                  <a:pt x="0" y="0"/>
+                </a:moveTo>
+                <a:lnTo>
+                  <a:pt x="120000" y="0"/>
+                </a:lnTo>
+                <a:lnTo>
+                  <a:pt x="120000" y="120000"/>
+                </a:lnTo>
+                <a:lnTo>
+                  <a:pt x="0" y="120000"/>
+                </a:lnTo>
+                <a:close/>
+              </a:path>
+            </a:pathLst>
+          </a:custGeom>
+        </p:spPr>
+      </p:sp>
+      <p:sp>
+        <p:nvSpPr>
+          <p:cNvPr id="79" name="Google Shape;79;g35f391192_029:notes"/>
+          <p:cNvSpPr txBox="1">
+            <a:spLocks noGrp="1"/>
+          </p:cNvSpPr>
+          <p:nvPr>
+            <p:ph type="body" idx="1"/>
+          </p:nvPr>
+        </p:nvSpPr>
+        <p:spPr>
+          <a:xfrm>
+            <a:off x="685800" y="4343400"/>
+            <a:ext cx="5486400" cy="4114800"/>
+          </a:xfrm>
+          <a:prstGeom prst="rect">
+            <a:avLst/>
+          </a:prstGeom>
+        </p:spPr>
+        <p:txBody>
+          <a:bodyPr spcFirstLastPara="1" wrap="square" lIns="91425" tIns="91425" rIns="91425" bIns="91425" anchor="t" anchorCtr="0">
+            <a:noAutofit/>
+          </a:bodyPr>
+          <a:lstStyle/>
+          <a:p>
+            <a:pPr marL="0" lvl="0" indent="0" algn="l" rtl="0">
+              <a:spcBef>
+                <a:spcPts val="0"/>
+              </a:spcBef>
+              <a:spcAft>
+                <a:spcPts val="0"/>
+              </a:spcAft>
+              <a:buNone/>
+            </a:pPr>
+            <a:endParaRPr/>
+          </a:p>
+        </p:txBody>
+      </p:sp>
+    </p:spTree>
+    <p:extLst>
+      <p:ext uri="{BB962C8B-B14F-4D97-AF65-F5344CB8AC3E}">
+        <p14:creationId xmlns:p14="http://schemas.microsoft.com/office/powerpoint/2010/main" val="2048103439"/>
+      </p:ext>
+    </p:extLst>
   </p:cSld>
   <p:clrMapOvr>
     <a:masterClrMapping/>
@@ -5522,8 +5603,8 @@
               <a:rPr lang="en" dirty="0"/>
             </a:br>
             <a:r>
-              <a:rPr lang="en" sz="2400" dirty="0"/>
-              <a:t>Alicia Martínez</a:t>
+              <a:rPr lang="en" sz="2400"/>
+              <a:t>Alicia Martínez Baulenas</a:t>
             </a:r>
             <a:br>
               <a:rPr lang="en" sz="2400" dirty="0"/>
@@ -6187,6 +6268,10 @@
               <a:rPr lang="en-US" sz="3200" dirty="0" err="1"/>
               <a:t>Relacional</a:t>
             </a:r>
+            <a:r>
+              <a:rPr lang="en-US" sz="3200" dirty="0"/>
+              <a:t> (E/R)</a:t>
+            </a:r>
             <a:endParaRPr lang="en-US" dirty="0"/>
           </a:p>
         </p:txBody>
@@ -6304,7 +6389,7 @@
         </p:nvSpPr>
         <p:spPr>
           <a:xfrm>
-            <a:off x="7167600" y="3667375"/>
+            <a:off x="7239519" y="3693061"/>
             <a:ext cx="2055600" cy="857400"/>
           </a:xfrm>
           <a:prstGeom prst="rect">
@@ -6582,7 +6667,7 @@
           <a:p>
             <a:r>
               <a:rPr lang="en-US" sz="3200" dirty="0" err="1"/>
-              <a:t>Relacional</a:t>
+              <a:t>Lógico</a:t>
             </a:r>
             <a:endParaRPr lang="en-US" dirty="0"/>
           </a:p>
@@ -6602,399 +6687,6 @@
 </file>
 
 <file path=ppt/slides/slide5.xml><?xml version="1.0" encoding="utf-8"?>
-<p:sld xmlns:a="http://schemas.openxmlformats.org/drawingml/2006/main" xmlns:r="http://schemas.openxmlformats.org/officeDocument/2006/relationships" xmlns:p="http://schemas.openxmlformats.org/presentationml/2006/main">
-  <p:cSld>
-    <p:spTree>
-      <p:nvGrpSpPr>
-        <p:cNvPr id="1" name="Shape 80"/>
-        <p:cNvGrpSpPr/>
-        <p:nvPr/>
-      </p:nvGrpSpPr>
-      <p:grpSpPr>
-        <a:xfrm>
-          <a:off x="0" y="0"/>
-          <a:ext cx="0" cy="0"/>
-          <a:chOff x="0" y="0"/>
-          <a:chExt cx="0" cy="0"/>
-        </a:xfrm>
-      </p:grpSpPr>
-      <p:sp>
-        <p:nvSpPr>
-          <p:cNvPr id="83" name="Google Shape;83;p16"/>
-          <p:cNvSpPr txBox="1">
-            <a:spLocks noGrp="1"/>
-          </p:cNvSpPr>
-          <p:nvPr>
-            <p:ph type="sldNum" idx="4294967295"/>
-          </p:nvPr>
-        </p:nvSpPr>
-        <p:spPr>
-          <a:xfrm>
-            <a:off x="8480584" y="4673651"/>
-            <a:ext cx="548700" cy="393600"/>
-          </a:xfrm>
-          <a:prstGeom prst="rect">
-            <a:avLst/>
-          </a:prstGeom>
-        </p:spPr>
-        <p:txBody>
-          <a:bodyPr spcFirstLastPara="1" wrap="square" lIns="91425" tIns="91425" rIns="91425" bIns="91425" anchor="ctr" anchorCtr="0">
-            <a:noAutofit/>
-          </a:bodyPr>
-          <a:lstStyle/>
-          <a:p>
-            <a:pPr marL="0" lvl="0" indent="0" algn="r" rtl="0">
-              <a:spcBef>
-                <a:spcPts val="0"/>
-              </a:spcBef>
-              <a:spcAft>
-                <a:spcPts val="0"/>
-              </a:spcAft>
-              <a:buNone/>
-            </a:pPr>
-            <a:fld id="{00000000-1234-1234-1234-123412341234}" type="slidenum">
-              <a:rPr lang="en"/>
-              <a:t>5</a:t>
-            </a:fld>
-            <a:endParaRPr/>
-          </a:p>
-        </p:txBody>
-      </p:sp>
-      <p:pic>
-        <p:nvPicPr>
-          <p:cNvPr id="3" name="Imagen 2">
-            <a:extLst>
-              <a:ext uri="{FF2B5EF4-FFF2-40B4-BE49-F238E27FC236}">
-                <a16:creationId xmlns:a16="http://schemas.microsoft.com/office/drawing/2014/main" id="{EAE979F8-A046-4187-B402-82AFC2B8575B}"/>
-              </a:ext>
-            </a:extLst>
-          </p:cNvPr>
-          <p:cNvPicPr>
-            <a:picLocks noChangeAspect="1"/>
-          </p:cNvPicPr>
-          <p:nvPr/>
-        </p:nvPicPr>
-        <p:blipFill>
-          <a:blip r:embed="rId3"/>
-          <a:stretch>
-            <a:fillRect/>
-          </a:stretch>
-        </p:blipFill>
-        <p:spPr>
-          <a:xfrm>
-            <a:off x="346580" y="759343"/>
-            <a:ext cx="5132620" cy="4307908"/>
-          </a:xfrm>
-          <a:prstGeom prst="rect">
-            <a:avLst/>
-          </a:prstGeom>
-        </p:spPr>
-      </p:pic>
-      <p:sp>
-        <p:nvSpPr>
-          <p:cNvPr id="6" name="Google Shape;94;p18">
-            <a:extLst>
-              <a:ext uri="{FF2B5EF4-FFF2-40B4-BE49-F238E27FC236}">
-                <a16:creationId xmlns:a16="http://schemas.microsoft.com/office/drawing/2014/main" id="{DA1CFCF5-E163-4967-8877-17D1AA09E0FB}"/>
-              </a:ext>
-            </a:extLst>
-          </p:cNvPr>
-          <p:cNvSpPr txBox="1">
-            <a:spLocks/>
-          </p:cNvSpPr>
-          <p:nvPr/>
-        </p:nvSpPr>
-        <p:spPr>
-          <a:xfrm>
-            <a:off x="157240" y="-182951"/>
-            <a:ext cx="5511300" cy="857400"/>
-          </a:xfrm>
-          <a:prstGeom prst="rect">
-            <a:avLst/>
-          </a:prstGeom>
-          <a:noFill/>
-          <a:ln>
-            <a:noFill/>
-          </a:ln>
-        </p:spPr>
-        <p:txBody>
-          <a:bodyPr spcFirstLastPara="1" wrap="square" lIns="91425" tIns="91425" rIns="91425" bIns="91425" anchor="b" anchorCtr="0">
-            <a:noAutofit/>
-          </a:bodyPr>
-          <a:lstStyle>
-            <a:defPPr marR="0" lvl="0" algn="l" rtl="0">
-              <a:lnSpc>
-                <a:spcPct val="100000"/>
-              </a:lnSpc>
-              <a:spcBef>
-                <a:spcPts val="0"/>
-              </a:spcBef>
-              <a:spcAft>
-                <a:spcPts val="0"/>
-              </a:spcAft>
-            </a:defPPr>
-            <a:lvl1pPr marR="0" lvl="0" algn="l" rtl="0">
-              <a:lnSpc>
-                <a:spcPct val="80000"/>
-              </a:lnSpc>
-              <a:spcBef>
-                <a:spcPts val="0"/>
-              </a:spcBef>
-              <a:spcAft>
-                <a:spcPts val="0"/>
-              </a:spcAft>
-              <a:buClr>
-                <a:schemeClr val="dk1"/>
-              </a:buClr>
-              <a:buSzPts val="4800"/>
-              <a:buFont typeface="Lato"/>
-              <a:buNone/>
-              <a:defRPr sz="4800" b="0" i="0" u="none" strike="noStrike" cap="none">
-                <a:solidFill>
-                  <a:schemeClr val="dk1"/>
-                </a:solidFill>
-                <a:latin typeface="Lato"/>
-                <a:ea typeface="Lato"/>
-                <a:cs typeface="Lato"/>
-                <a:sym typeface="Lato"/>
-              </a:defRPr>
-            </a:lvl1pPr>
-            <a:lvl2pPr marR="0" lvl="1" algn="l" rtl="0">
-              <a:lnSpc>
-                <a:spcPct val="80000"/>
-              </a:lnSpc>
-              <a:spcBef>
-                <a:spcPts val="0"/>
-              </a:spcBef>
-              <a:spcAft>
-                <a:spcPts val="0"/>
-              </a:spcAft>
-              <a:buClr>
-                <a:schemeClr val="dk1"/>
-              </a:buClr>
-              <a:buSzPts val="4800"/>
-              <a:buFont typeface="Lato"/>
-              <a:buNone/>
-              <a:defRPr sz="4800" b="0" i="0" u="none" strike="noStrike" cap="none">
-                <a:solidFill>
-                  <a:schemeClr val="dk1"/>
-                </a:solidFill>
-                <a:latin typeface="Lato"/>
-                <a:ea typeface="Lato"/>
-                <a:cs typeface="Lato"/>
-                <a:sym typeface="Lato"/>
-              </a:defRPr>
-            </a:lvl2pPr>
-            <a:lvl3pPr marR="0" lvl="2" algn="l" rtl="0">
-              <a:lnSpc>
-                <a:spcPct val="80000"/>
-              </a:lnSpc>
-              <a:spcBef>
-                <a:spcPts val="0"/>
-              </a:spcBef>
-              <a:spcAft>
-                <a:spcPts val="0"/>
-              </a:spcAft>
-              <a:buClr>
-                <a:schemeClr val="dk1"/>
-              </a:buClr>
-              <a:buSzPts val="4800"/>
-              <a:buFont typeface="Lato"/>
-              <a:buNone/>
-              <a:defRPr sz="4800" b="0" i="0" u="none" strike="noStrike" cap="none">
-                <a:solidFill>
-                  <a:schemeClr val="dk1"/>
-                </a:solidFill>
-                <a:latin typeface="Lato"/>
-                <a:ea typeface="Lato"/>
-                <a:cs typeface="Lato"/>
-                <a:sym typeface="Lato"/>
-              </a:defRPr>
-            </a:lvl3pPr>
-            <a:lvl4pPr marR="0" lvl="3" algn="l" rtl="0">
-              <a:lnSpc>
-                <a:spcPct val="80000"/>
-              </a:lnSpc>
-              <a:spcBef>
-                <a:spcPts val="0"/>
-              </a:spcBef>
-              <a:spcAft>
-                <a:spcPts val="0"/>
-              </a:spcAft>
-              <a:buClr>
-                <a:schemeClr val="dk1"/>
-              </a:buClr>
-              <a:buSzPts val="4800"/>
-              <a:buFont typeface="Lato"/>
-              <a:buNone/>
-              <a:defRPr sz="4800" b="0" i="0" u="none" strike="noStrike" cap="none">
-                <a:solidFill>
-                  <a:schemeClr val="dk1"/>
-                </a:solidFill>
-                <a:latin typeface="Lato"/>
-                <a:ea typeface="Lato"/>
-                <a:cs typeface="Lato"/>
-                <a:sym typeface="Lato"/>
-              </a:defRPr>
-            </a:lvl4pPr>
-            <a:lvl5pPr marR="0" lvl="4" algn="l" rtl="0">
-              <a:lnSpc>
-                <a:spcPct val="80000"/>
-              </a:lnSpc>
-              <a:spcBef>
-                <a:spcPts val="0"/>
-              </a:spcBef>
-              <a:spcAft>
-                <a:spcPts val="0"/>
-              </a:spcAft>
-              <a:buClr>
-                <a:schemeClr val="dk1"/>
-              </a:buClr>
-              <a:buSzPts val="4800"/>
-              <a:buFont typeface="Lato"/>
-              <a:buNone/>
-              <a:defRPr sz="4800" b="0" i="0" u="none" strike="noStrike" cap="none">
-                <a:solidFill>
-                  <a:schemeClr val="dk1"/>
-                </a:solidFill>
-                <a:latin typeface="Lato"/>
-                <a:ea typeface="Lato"/>
-                <a:cs typeface="Lato"/>
-                <a:sym typeface="Lato"/>
-              </a:defRPr>
-            </a:lvl5pPr>
-            <a:lvl6pPr marR="0" lvl="5" algn="l" rtl="0">
-              <a:lnSpc>
-                <a:spcPct val="80000"/>
-              </a:lnSpc>
-              <a:spcBef>
-                <a:spcPts val="0"/>
-              </a:spcBef>
-              <a:spcAft>
-                <a:spcPts val="0"/>
-              </a:spcAft>
-              <a:buClr>
-                <a:schemeClr val="dk1"/>
-              </a:buClr>
-              <a:buSzPts val="4800"/>
-              <a:buFont typeface="Lato"/>
-              <a:buNone/>
-              <a:defRPr sz="4800" b="0" i="0" u="none" strike="noStrike" cap="none">
-                <a:solidFill>
-                  <a:schemeClr val="dk1"/>
-                </a:solidFill>
-                <a:latin typeface="Lato"/>
-                <a:ea typeface="Lato"/>
-                <a:cs typeface="Lato"/>
-                <a:sym typeface="Lato"/>
-              </a:defRPr>
-            </a:lvl6pPr>
-            <a:lvl7pPr marR="0" lvl="6" algn="l" rtl="0">
-              <a:lnSpc>
-                <a:spcPct val="80000"/>
-              </a:lnSpc>
-              <a:spcBef>
-                <a:spcPts val="0"/>
-              </a:spcBef>
-              <a:spcAft>
-                <a:spcPts val="0"/>
-              </a:spcAft>
-              <a:buClr>
-                <a:schemeClr val="dk1"/>
-              </a:buClr>
-              <a:buSzPts val="4800"/>
-              <a:buFont typeface="Lato"/>
-              <a:buNone/>
-              <a:defRPr sz="4800" b="0" i="0" u="none" strike="noStrike" cap="none">
-                <a:solidFill>
-                  <a:schemeClr val="dk1"/>
-                </a:solidFill>
-                <a:latin typeface="Lato"/>
-                <a:ea typeface="Lato"/>
-                <a:cs typeface="Lato"/>
-                <a:sym typeface="Lato"/>
-              </a:defRPr>
-            </a:lvl7pPr>
-            <a:lvl8pPr marR="0" lvl="7" algn="l" rtl="0">
-              <a:lnSpc>
-                <a:spcPct val="80000"/>
-              </a:lnSpc>
-              <a:spcBef>
-                <a:spcPts val="0"/>
-              </a:spcBef>
-              <a:spcAft>
-                <a:spcPts val="0"/>
-              </a:spcAft>
-              <a:buClr>
-                <a:schemeClr val="dk1"/>
-              </a:buClr>
-              <a:buSzPts val="4800"/>
-              <a:buFont typeface="Lato"/>
-              <a:buNone/>
-              <a:defRPr sz="4800" b="0" i="0" u="none" strike="noStrike" cap="none">
-                <a:solidFill>
-                  <a:schemeClr val="dk1"/>
-                </a:solidFill>
-                <a:latin typeface="Lato"/>
-                <a:ea typeface="Lato"/>
-                <a:cs typeface="Lato"/>
-                <a:sym typeface="Lato"/>
-              </a:defRPr>
-            </a:lvl8pPr>
-            <a:lvl9pPr marR="0" lvl="8" algn="l" rtl="0">
-              <a:lnSpc>
-                <a:spcPct val="80000"/>
-              </a:lnSpc>
-              <a:spcBef>
-                <a:spcPts val="0"/>
-              </a:spcBef>
-              <a:spcAft>
-                <a:spcPts val="0"/>
-              </a:spcAft>
-              <a:buClr>
-                <a:schemeClr val="dk1"/>
-              </a:buClr>
-              <a:buSzPts val="4800"/>
-              <a:buFont typeface="Lato"/>
-              <a:buNone/>
-              <a:defRPr sz="4800" b="0" i="0" u="none" strike="noStrike" cap="none">
-                <a:solidFill>
-                  <a:schemeClr val="dk1"/>
-                </a:solidFill>
-                <a:latin typeface="Lato"/>
-                <a:ea typeface="Lato"/>
-                <a:cs typeface="Lato"/>
-                <a:sym typeface="Lato"/>
-              </a:defRPr>
-            </a:lvl9pPr>
-          </a:lstStyle>
-          <a:p>
-            <a:r>
-              <a:rPr lang="en-US" sz="3200" dirty="0" err="1"/>
-              <a:t>Sentencias</a:t>
-            </a:r>
-            <a:r>
-              <a:rPr lang="en-US" sz="3200" dirty="0"/>
-              <a:t> SQL</a:t>
-            </a:r>
-            <a:endParaRPr lang="en-US" dirty="0"/>
-          </a:p>
-        </p:txBody>
-      </p:sp>
-    </p:spTree>
-    <p:extLst>
-      <p:ext uri="{BB962C8B-B14F-4D97-AF65-F5344CB8AC3E}">
-        <p14:creationId xmlns:p14="http://schemas.microsoft.com/office/powerpoint/2010/main" val="4140318959"/>
-      </p:ext>
-    </p:extLst>
-  </p:cSld>
-  <p:clrMapOvr>
-    <a:masterClrMapping/>
-  </p:clrMapOvr>
-</p:sld>
-</file>
-
-<file path=ppt/slides/slide6.xml><?xml version="1.0" encoding="utf-8"?>
 <p:sld xmlns:a="http://schemas.openxmlformats.org/drawingml/2006/main" xmlns:r="http://schemas.openxmlformats.org/officeDocument/2006/relationships" xmlns:p="http://schemas.openxmlformats.org/presentationml/2006/main">
   <p:cSld>
     <p:spTree>
@@ -7077,7 +6769,7 @@
             </a:pPr>
             <a:fld id="{00000000-1234-1234-1234-123412341234}" type="slidenum">
               <a:rPr lang="en"/>
-              <a:t>6</a:t>
+              <a:t>5</a:t>
             </a:fld>
             <a:endParaRPr/>
           </a:p>
@@ -7378,7 +7070,7 @@
 </p:sld>
 </file>
 
-<file path=ppt/slides/slide7.xml><?xml version="1.0" encoding="utf-8"?>
+<file path=ppt/slides/slide6.xml><?xml version="1.0" encoding="utf-8"?>
 <p:sld xmlns:a="http://schemas.openxmlformats.org/drawingml/2006/main" xmlns:r="http://schemas.openxmlformats.org/officeDocument/2006/relationships" xmlns:p="http://schemas.openxmlformats.org/presentationml/2006/main">
   <p:cSld>
     <p:spTree>
@@ -7431,7 +7123,7 @@
             </a:pPr>
             <a:fld id="{00000000-1234-1234-1234-123412341234}" type="slidenum">
               <a:rPr lang="en"/>
-              <a:t>7</a:t>
+              <a:t>6</a:t>
             </a:fld>
             <a:endParaRPr/>
           </a:p>
@@ -7755,6 +7447,399 @@
         </p:txBody>
       </p:sp>
     </p:spTree>
+  </p:cSld>
+  <p:clrMapOvr>
+    <a:masterClrMapping/>
+  </p:clrMapOvr>
+</p:sld>
+</file>
+
+<file path=ppt/slides/slide7.xml><?xml version="1.0" encoding="utf-8"?>
+<p:sld xmlns:a="http://schemas.openxmlformats.org/drawingml/2006/main" xmlns:r="http://schemas.openxmlformats.org/officeDocument/2006/relationships" xmlns:p="http://schemas.openxmlformats.org/presentationml/2006/main">
+  <p:cSld>
+    <p:spTree>
+      <p:nvGrpSpPr>
+        <p:cNvPr id="1" name="Shape 80"/>
+        <p:cNvGrpSpPr/>
+        <p:nvPr/>
+      </p:nvGrpSpPr>
+      <p:grpSpPr>
+        <a:xfrm>
+          <a:off x="0" y="0"/>
+          <a:ext cx="0" cy="0"/>
+          <a:chOff x="0" y="0"/>
+          <a:chExt cx="0" cy="0"/>
+        </a:xfrm>
+      </p:grpSpPr>
+      <p:sp>
+        <p:nvSpPr>
+          <p:cNvPr id="83" name="Google Shape;83;p16"/>
+          <p:cNvSpPr txBox="1">
+            <a:spLocks noGrp="1"/>
+          </p:cNvSpPr>
+          <p:nvPr>
+            <p:ph type="sldNum" idx="4294967295"/>
+          </p:nvPr>
+        </p:nvSpPr>
+        <p:spPr>
+          <a:xfrm>
+            <a:off x="8480584" y="4673651"/>
+            <a:ext cx="548700" cy="393600"/>
+          </a:xfrm>
+          <a:prstGeom prst="rect">
+            <a:avLst/>
+          </a:prstGeom>
+        </p:spPr>
+        <p:txBody>
+          <a:bodyPr spcFirstLastPara="1" wrap="square" lIns="91425" tIns="91425" rIns="91425" bIns="91425" anchor="ctr" anchorCtr="0">
+            <a:noAutofit/>
+          </a:bodyPr>
+          <a:lstStyle/>
+          <a:p>
+            <a:pPr marL="0" lvl="0" indent="0" algn="r" rtl="0">
+              <a:spcBef>
+                <a:spcPts val="0"/>
+              </a:spcBef>
+              <a:spcAft>
+                <a:spcPts val="0"/>
+              </a:spcAft>
+              <a:buNone/>
+            </a:pPr>
+            <a:fld id="{00000000-1234-1234-1234-123412341234}" type="slidenum">
+              <a:rPr lang="en"/>
+              <a:t>7</a:t>
+            </a:fld>
+            <a:endParaRPr/>
+          </a:p>
+        </p:txBody>
+      </p:sp>
+      <p:pic>
+        <p:nvPicPr>
+          <p:cNvPr id="3" name="Imagen 2">
+            <a:extLst>
+              <a:ext uri="{FF2B5EF4-FFF2-40B4-BE49-F238E27FC236}">
+                <a16:creationId xmlns:a16="http://schemas.microsoft.com/office/drawing/2014/main" id="{EAE979F8-A046-4187-B402-82AFC2B8575B}"/>
+              </a:ext>
+            </a:extLst>
+          </p:cNvPr>
+          <p:cNvPicPr>
+            <a:picLocks noChangeAspect="1"/>
+          </p:cNvPicPr>
+          <p:nvPr/>
+        </p:nvPicPr>
+        <p:blipFill>
+          <a:blip r:embed="rId3"/>
+          <a:stretch>
+            <a:fillRect/>
+          </a:stretch>
+        </p:blipFill>
+        <p:spPr>
+          <a:xfrm>
+            <a:off x="346580" y="759343"/>
+            <a:ext cx="5132620" cy="4307908"/>
+          </a:xfrm>
+          <a:prstGeom prst="rect">
+            <a:avLst/>
+          </a:prstGeom>
+        </p:spPr>
+      </p:pic>
+      <p:sp>
+        <p:nvSpPr>
+          <p:cNvPr id="6" name="Google Shape;94;p18">
+            <a:extLst>
+              <a:ext uri="{FF2B5EF4-FFF2-40B4-BE49-F238E27FC236}">
+                <a16:creationId xmlns:a16="http://schemas.microsoft.com/office/drawing/2014/main" id="{DA1CFCF5-E163-4967-8877-17D1AA09E0FB}"/>
+              </a:ext>
+            </a:extLst>
+          </p:cNvPr>
+          <p:cNvSpPr txBox="1">
+            <a:spLocks/>
+          </p:cNvSpPr>
+          <p:nvPr/>
+        </p:nvSpPr>
+        <p:spPr>
+          <a:xfrm>
+            <a:off x="157240" y="-182951"/>
+            <a:ext cx="5511300" cy="857400"/>
+          </a:xfrm>
+          <a:prstGeom prst="rect">
+            <a:avLst/>
+          </a:prstGeom>
+          <a:noFill/>
+          <a:ln>
+            <a:noFill/>
+          </a:ln>
+        </p:spPr>
+        <p:txBody>
+          <a:bodyPr spcFirstLastPara="1" wrap="square" lIns="91425" tIns="91425" rIns="91425" bIns="91425" anchor="b" anchorCtr="0">
+            <a:noAutofit/>
+          </a:bodyPr>
+          <a:lstStyle>
+            <a:defPPr marR="0" lvl="0" algn="l" rtl="0">
+              <a:lnSpc>
+                <a:spcPct val="100000"/>
+              </a:lnSpc>
+              <a:spcBef>
+                <a:spcPts val="0"/>
+              </a:spcBef>
+              <a:spcAft>
+                <a:spcPts val="0"/>
+              </a:spcAft>
+            </a:defPPr>
+            <a:lvl1pPr marR="0" lvl="0" algn="l" rtl="0">
+              <a:lnSpc>
+                <a:spcPct val="80000"/>
+              </a:lnSpc>
+              <a:spcBef>
+                <a:spcPts val="0"/>
+              </a:spcBef>
+              <a:spcAft>
+                <a:spcPts val="0"/>
+              </a:spcAft>
+              <a:buClr>
+                <a:schemeClr val="dk1"/>
+              </a:buClr>
+              <a:buSzPts val="4800"/>
+              <a:buFont typeface="Lato"/>
+              <a:buNone/>
+              <a:defRPr sz="4800" b="0" i="0" u="none" strike="noStrike" cap="none">
+                <a:solidFill>
+                  <a:schemeClr val="dk1"/>
+                </a:solidFill>
+                <a:latin typeface="Lato"/>
+                <a:ea typeface="Lato"/>
+                <a:cs typeface="Lato"/>
+                <a:sym typeface="Lato"/>
+              </a:defRPr>
+            </a:lvl1pPr>
+            <a:lvl2pPr marR="0" lvl="1" algn="l" rtl="0">
+              <a:lnSpc>
+                <a:spcPct val="80000"/>
+              </a:lnSpc>
+              <a:spcBef>
+                <a:spcPts val="0"/>
+              </a:spcBef>
+              <a:spcAft>
+                <a:spcPts val="0"/>
+              </a:spcAft>
+              <a:buClr>
+                <a:schemeClr val="dk1"/>
+              </a:buClr>
+              <a:buSzPts val="4800"/>
+              <a:buFont typeface="Lato"/>
+              <a:buNone/>
+              <a:defRPr sz="4800" b="0" i="0" u="none" strike="noStrike" cap="none">
+                <a:solidFill>
+                  <a:schemeClr val="dk1"/>
+                </a:solidFill>
+                <a:latin typeface="Lato"/>
+                <a:ea typeface="Lato"/>
+                <a:cs typeface="Lato"/>
+                <a:sym typeface="Lato"/>
+              </a:defRPr>
+            </a:lvl2pPr>
+            <a:lvl3pPr marR="0" lvl="2" algn="l" rtl="0">
+              <a:lnSpc>
+                <a:spcPct val="80000"/>
+              </a:lnSpc>
+              <a:spcBef>
+                <a:spcPts val="0"/>
+              </a:spcBef>
+              <a:spcAft>
+                <a:spcPts val="0"/>
+              </a:spcAft>
+              <a:buClr>
+                <a:schemeClr val="dk1"/>
+              </a:buClr>
+              <a:buSzPts val="4800"/>
+              <a:buFont typeface="Lato"/>
+              <a:buNone/>
+              <a:defRPr sz="4800" b="0" i="0" u="none" strike="noStrike" cap="none">
+                <a:solidFill>
+                  <a:schemeClr val="dk1"/>
+                </a:solidFill>
+                <a:latin typeface="Lato"/>
+                <a:ea typeface="Lato"/>
+                <a:cs typeface="Lato"/>
+                <a:sym typeface="Lato"/>
+              </a:defRPr>
+            </a:lvl3pPr>
+            <a:lvl4pPr marR="0" lvl="3" algn="l" rtl="0">
+              <a:lnSpc>
+                <a:spcPct val="80000"/>
+              </a:lnSpc>
+              <a:spcBef>
+                <a:spcPts val="0"/>
+              </a:spcBef>
+              <a:spcAft>
+                <a:spcPts val="0"/>
+              </a:spcAft>
+              <a:buClr>
+                <a:schemeClr val="dk1"/>
+              </a:buClr>
+              <a:buSzPts val="4800"/>
+              <a:buFont typeface="Lato"/>
+              <a:buNone/>
+              <a:defRPr sz="4800" b="0" i="0" u="none" strike="noStrike" cap="none">
+                <a:solidFill>
+                  <a:schemeClr val="dk1"/>
+                </a:solidFill>
+                <a:latin typeface="Lato"/>
+                <a:ea typeface="Lato"/>
+                <a:cs typeface="Lato"/>
+                <a:sym typeface="Lato"/>
+              </a:defRPr>
+            </a:lvl4pPr>
+            <a:lvl5pPr marR="0" lvl="4" algn="l" rtl="0">
+              <a:lnSpc>
+                <a:spcPct val="80000"/>
+              </a:lnSpc>
+              <a:spcBef>
+                <a:spcPts val="0"/>
+              </a:spcBef>
+              <a:spcAft>
+                <a:spcPts val="0"/>
+              </a:spcAft>
+              <a:buClr>
+                <a:schemeClr val="dk1"/>
+              </a:buClr>
+              <a:buSzPts val="4800"/>
+              <a:buFont typeface="Lato"/>
+              <a:buNone/>
+              <a:defRPr sz="4800" b="0" i="0" u="none" strike="noStrike" cap="none">
+                <a:solidFill>
+                  <a:schemeClr val="dk1"/>
+                </a:solidFill>
+                <a:latin typeface="Lato"/>
+                <a:ea typeface="Lato"/>
+                <a:cs typeface="Lato"/>
+                <a:sym typeface="Lato"/>
+              </a:defRPr>
+            </a:lvl5pPr>
+            <a:lvl6pPr marR="0" lvl="5" algn="l" rtl="0">
+              <a:lnSpc>
+                <a:spcPct val="80000"/>
+              </a:lnSpc>
+              <a:spcBef>
+                <a:spcPts val="0"/>
+              </a:spcBef>
+              <a:spcAft>
+                <a:spcPts val="0"/>
+              </a:spcAft>
+              <a:buClr>
+                <a:schemeClr val="dk1"/>
+              </a:buClr>
+              <a:buSzPts val="4800"/>
+              <a:buFont typeface="Lato"/>
+              <a:buNone/>
+              <a:defRPr sz="4800" b="0" i="0" u="none" strike="noStrike" cap="none">
+                <a:solidFill>
+                  <a:schemeClr val="dk1"/>
+                </a:solidFill>
+                <a:latin typeface="Lato"/>
+                <a:ea typeface="Lato"/>
+                <a:cs typeface="Lato"/>
+                <a:sym typeface="Lato"/>
+              </a:defRPr>
+            </a:lvl6pPr>
+            <a:lvl7pPr marR="0" lvl="6" algn="l" rtl="0">
+              <a:lnSpc>
+                <a:spcPct val="80000"/>
+              </a:lnSpc>
+              <a:spcBef>
+                <a:spcPts val="0"/>
+              </a:spcBef>
+              <a:spcAft>
+                <a:spcPts val="0"/>
+              </a:spcAft>
+              <a:buClr>
+                <a:schemeClr val="dk1"/>
+              </a:buClr>
+              <a:buSzPts val="4800"/>
+              <a:buFont typeface="Lato"/>
+              <a:buNone/>
+              <a:defRPr sz="4800" b="0" i="0" u="none" strike="noStrike" cap="none">
+                <a:solidFill>
+                  <a:schemeClr val="dk1"/>
+                </a:solidFill>
+                <a:latin typeface="Lato"/>
+                <a:ea typeface="Lato"/>
+                <a:cs typeface="Lato"/>
+                <a:sym typeface="Lato"/>
+              </a:defRPr>
+            </a:lvl7pPr>
+            <a:lvl8pPr marR="0" lvl="7" algn="l" rtl="0">
+              <a:lnSpc>
+                <a:spcPct val="80000"/>
+              </a:lnSpc>
+              <a:spcBef>
+                <a:spcPts val="0"/>
+              </a:spcBef>
+              <a:spcAft>
+                <a:spcPts val="0"/>
+              </a:spcAft>
+              <a:buClr>
+                <a:schemeClr val="dk1"/>
+              </a:buClr>
+              <a:buSzPts val="4800"/>
+              <a:buFont typeface="Lato"/>
+              <a:buNone/>
+              <a:defRPr sz="4800" b="0" i="0" u="none" strike="noStrike" cap="none">
+                <a:solidFill>
+                  <a:schemeClr val="dk1"/>
+                </a:solidFill>
+                <a:latin typeface="Lato"/>
+                <a:ea typeface="Lato"/>
+                <a:cs typeface="Lato"/>
+                <a:sym typeface="Lato"/>
+              </a:defRPr>
+            </a:lvl8pPr>
+            <a:lvl9pPr marR="0" lvl="8" algn="l" rtl="0">
+              <a:lnSpc>
+                <a:spcPct val="80000"/>
+              </a:lnSpc>
+              <a:spcBef>
+                <a:spcPts val="0"/>
+              </a:spcBef>
+              <a:spcAft>
+                <a:spcPts val="0"/>
+              </a:spcAft>
+              <a:buClr>
+                <a:schemeClr val="dk1"/>
+              </a:buClr>
+              <a:buSzPts val="4800"/>
+              <a:buFont typeface="Lato"/>
+              <a:buNone/>
+              <a:defRPr sz="4800" b="0" i="0" u="none" strike="noStrike" cap="none">
+                <a:solidFill>
+                  <a:schemeClr val="dk1"/>
+                </a:solidFill>
+                <a:latin typeface="Lato"/>
+                <a:ea typeface="Lato"/>
+                <a:cs typeface="Lato"/>
+                <a:sym typeface="Lato"/>
+              </a:defRPr>
+            </a:lvl9pPr>
+          </a:lstStyle>
+          <a:p>
+            <a:r>
+              <a:rPr lang="en-US" sz="3200" dirty="0" err="1"/>
+              <a:t>Sentencias</a:t>
+            </a:r>
+            <a:r>
+              <a:rPr lang="en-US" sz="3200" dirty="0"/>
+              <a:t> SQL</a:t>
+            </a:r>
+            <a:endParaRPr lang="en-US" dirty="0"/>
+          </a:p>
+        </p:txBody>
+      </p:sp>
+    </p:spTree>
+    <p:extLst>
+      <p:ext uri="{BB962C8B-B14F-4D97-AF65-F5344CB8AC3E}">
+        <p14:creationId xmlns:p14="http://schemas.microsoft.com/office/powerpoint/2010/main" val="4140318959"/>
+      </p:ext>
+    </p:extLst>
   </p:cSld>
   <p:clrMapOvr>
     <a:masterClrMapping/>
